--- a/MySQL实战/05深入浅出索引（下）.pptx
+++ b/MySQL实战/05深入浅出索引（下）.pptx
@@ -301,7 +301,7 @@
           <a:p>
             <a:fld id="{E396512D-F96B-4538-B91A-F7EB57A489A0}" type="datetimeFigureOut">
               <a:rPr lang="zh-CN" altLang="en-US" smtClean="0"/>
-              <a:t>2019/5/10</a:t>
+              <a:t>2020/3/13</a:t>
             </a:fld>
             <a:endParaRPr lang="zh-CN" altLang="en-US"/>
           </a:p>
@@ -576,7 +576,7 @@
           <a:p>
             <a:fld id="{E396512D-F96B-4538-B91A-F7EB57A489A0}" type="datetimeFigureOut">
               <a:rPr lang="zh-CN" altLang="en-US" smtClean="0"/>
-              <a:t>2019/5/10</a:t>
+              <a:t>2020/3/13</a:t>
             </a:fld>
             <a:endParaRPr lang="zh-CN" altLang="en-US"/>
           </a:p>
@@ -770,7 +770,7 @@
           <a:p>
             <a:fld id="{E396512D-F96B-4538-B91A-F7EB57A489A0}" type="datetimeFigureOut">
               <a:rPr lang="zh-CN" altLang="en-US" smtClean="0"/>
-              <a:t>2019/5/10</a:t>
+              <a:t>2020/3/13</a:t>
             </a:fld>
             <a:endParaRPr lang="zh-CN" altLang="en-US"/>
           </a:p>
@@ -1043,7 +1043,7 @@
           <a:p>
             <a:fld id="{E396512D-F96B-4538-B91A-F7EB57A489A0}" type="datetimeFigureOut">
               <a:rPr lang="zh-CN" altLang="en-US" smtClean="0"/>
-              <a:t>2019/5/10</a:t>
+              <a:t>2020/3/13</a:t>
             </a:fld>
             <a:endParaRPr lang="zh-CN" altLang="en-US"/>
           </a:p>
@@ -1384,7 +1384,7 @@
           <a:p>
             <a:fld id="{E396512D-F96B-4538-B91A-F7EB57A489A0}" type="datetimeFigureOut">
               <a:rPr lang="zh-CN" altLang="en-US" smtClean="0"/>
-              <a:t>2019/5/10</a:t>
+              <a:t>2020/3/13</a:t>
             </a:fld>
             <a:endParaRPr lang="zh-CN" altLang="en-US"/>
           </a:p>
@@ -2007,7 +2007,7 @@
           <a:p>
             <a:fld id="{E396512D-F96B-4538-B91A-F7EB57A489A0}" type="datetimeFigureOut">
               <a:rPr lang="zh-CN" altLang="en-US" smtClean="0"/>
-              <a:t>2019/5/10</a:t>
+              <a:t>2020/3/13</a:t>
             </a:fld>
             <a:endParaRPr lang="zh-CN" altLang="en-US"/>
           </a:p>
@@ -2867,7 +2867,7 @@
           <a:p>
             <a:fld id="{E396512D-F96B-4538-B91A-F7EB57A489A0}" type="datetimeFigureOut">
               <a:rPr lang="zh-CN" altLang="en-US" smtClean="0"/>
-              <a:t>2019/5/10</a:t>
+              <a:t>2020/3/13</a:t>
             </a:fld>
             <a:endParaRPr lang="zh-CN" altLang="en-US"/>
           </a:p>
@@ -3037,7 +3037,7 @@
           <a:p>
             <a:fld id="{E396512D-F96B-4538-B91A-F7EB57A489A0}" type="datetimeFigureOut">
               <a:rPr lang="zh-CN" altLang="en-US" smtClean="0"/>
-              <a:t>2019/5/10</a:t>
+              <a:t>2020/3/13</a:t>
             </a:fld>
             <a:endParaRPr lang="zh-CN" altLang="en-US"/>
           </a:p>
@@ -3217,7 +3217,7 @@
           <a:p>
             <a:fld id="{E396512D-F96B-4538-B91A-F7EB57A489A0}" type="datetimeFigureOut">
               <a:rPr lang="zh-CN" altLang="en-US" smtClean="0"/>
-              <a:t>2019/5/10</a:t>
+              <a:t>2020/3/13</a:t>
             </a:fld>
             <a:endParaRPr lang="zh-CN" altLang="en-US"/>
           </a:p>
@@ -3387,7 +3387,7 @@
           <a:p>
             <a:fld id="{E396512D-F96B-4538-B91A-F7EB57A489A0}" type="datetimeFigureOut">
               <a:rPr lang="zh-CN" altLang="en-US" smtClean="0"/>
-              <a:t>2019/5/10</a:t>
+              <a:t>2020/3/13</a:t>
             </a:fld>
             <a:endParaRPr lang="zh-CN" altLang="en-US"/>
           </a:p>
@@ -3634,7 +3634,7 @@
           <a:p>
             <a:fld id="{E396512D-F96B-4538-B91A-F7EB57A489A0}" type="datetimeFigureOut">
               <a:rPr lang="zh-CN" altLang="en-US" smtClean="0"/>
-              <a:t>2019/5/10</a:t>
+              <a:t>2020/3/13</a:t>
             </a:fld>
             <a:endParaRPr lang="zh-CN" altLang="en-US"/>
           </a:p>
@@ -3926,7 +3926,7 @@
           <a:p>
             <a:fld id="{E396512D-F96B-4538-B91A-F7EB57A489A0}" type="datetimeFigureOut">
               <a:rPr lang="zh-CN" altLang="en-US" smtClean="0"/>
-              <a:t>2019/5/10</a:t>
+              <a:t>2020/3/13</a:t>
             </a:fld>
             <a:endParaRPr lang="zh-CN" altLang="en-US"/>
           </a:p>
@@ -4370,7 +4370,7 @@
           <a:p>
             <a:fld id="{E396512D-F96B-4538-B91A-F7EB57A489A0}" type="datetimeFigureOut">
               <a:rPr lang="zh-CN" altLang="en-US" smtClean="0"/>
-              <a:t>2019/5/10</a:t>
+              <a:t>2020/3/13</a:t>
             </a:fld>
             <a:endParaRPr lang="zh-CN" altLang="en-US"/>
           </a:p>
@@ -4488,7 +4488,7 @@
           <a:p>
             <a:fld id="{E396512D-F96B-4538-B91A-F7EB57A489A0}" type="datetimeFigureOut">
               <a:rPr lang="zh-CN" altLang="en-US" smtClean="0"/>
-              <a:t>2019/5/10</a:t>
+              <a:t>2020/3/13</a:t>
             </a:fld>
             <a:endParaRPr lang="zh-CN" altLang="en-US"/>
           </a:p>
@@ -4583,7 +4583,7 @@
           <a:p>
             <a:fld id="{E396512D-F96B-4538-B91A-F7EB57A489A0}" type="datetimeFigureOut">
               <a:rPr lang="zh-CN" altLang="en-US" smtClean="0"/>
-              <a:t>2019/5/10</a:t>
+              <a:t>2020/3/13</a:t>
             </a:fld>
             <a:endParaRPr lang="zh-CN" altLang="en-US"/>
           </a:p>
@@ -4862,7 +4862,7 @@
           <a:p>
             <a:fld id="{E396512D-F96B-4538-B91A-F7EB57A489A0}" type="datetimeFigureOut">
               <a:rPr lang="zh-CN" altLang="en-US" smtClean="0"/>
-              <a:t>2019/5/10</a:t>
+              <a:t>2020/3/13</a:t>
             </a:fld>
             <a:endParaRPr lang="zh-CN" altLang="en-US"/>
           </a:p>
@@ -5137,7 +5137,7 @@
           <a:p>
             <a:fld id="{E396512D-F96B-4538-B91A-F7EB57A489A0}" type="datetimeFigureOut">
               <a:rPr lang="zh-CN" altLang="en-US" smtClean="0"/>
-              <a:t>2019/5/10</a:t>
+              <a:t>2020/3/13</a:t>
             </a:fld>
             <a:endParaRPr lang="zh-CN" altLang="en-US"/>
           </a:p>
@@ -5566,7 +5566,7 @@
           <a:p>
             <a:fld id="{E396512D-F96B-4538-B91A-F7EB57A489A0}" type="datetimeFigureOut">
               <a:rPr lang="zh-CN" altLang="en-US" smtClean="0"/>
-              <a:t>2019/5/10</a:t>
+              <a:t>2020/3/13</a:t>
             </a:fld>
             <a:endParaRPr lang="zh-CN" altLang="en-US"/>
           </a:p>
